--- a/seminario/ENGENHARIA-DE-SOFTWARE-REFATORAÇÃO.pptx
+++ b/seminario/ENGENHARIA-DE-SOFTWARE-REFATORAÇÃO.pptx
@@ -4409,7 +4409,7 @@
           <a:p>
             <a:fld id="{48A87A34-81AB-432B-8DAE-1953F412C126}" type="datetimeFigureOut">
               <a:rPr lang="en-US" dirty="0"/>
-              <a:t>12/1/2015</a:t>
+              <a:t>12/2/2015</a:t>
             </a:fld>
             <a:endParaRPr lang="en-US" dirty="0"/>
           </a:p>
@@ -4671,7 +4671,7 @@
           <a:p>
             <a:fld id="{48A87A34-81AB-432B-8DAE-1953F412C126}" type="datetimeFigureOut">
               <a:rPr lang="en-US" dirty="0"/>
-              <a:t>12/1/2015</a:t>
+              <a:t>12/2/2015</a:t>
             </a:fld>
             <a:endParaRPr lang="en-US" dirty="0"/>
           </a:p>
@@ -4862,7 +4862,7 @@
           <a:p>
             <a:fld id="{48A87A34-81AB-432B-8DAE-1953F412C126}" type="datetimeFigureOut">
               <a:rPr lang="en-US" dirty="0"/>
-              <a:t>12/1/2015</a:t>
+              <a:t>12/2/2015</a:t>
             </a:fld>
             <a:endParaRPr lang="en-US" dirty="0"/>
           </a:p>
@@ -5120,7 +5120,7 @@
           <a:p>
             <a:fld id="{48A87A34-81AB-432B-8DAE-1953F412C126}" type="datetimeFigureOut">
               <a:rPr lang="en-US" dirty="0"/>
-              <a:t>12/1/2015</a:t>
+              <a:t>12/2/2015</a:t>
             </a:fld>
             <a:endParaRPr lang="en-US" dirty="0"/>
           </a:p>
@@ -5549,7 +5549,7 @@
           <a:p>
             <a:fld id="{48A87A34-81AB-432B-8DAE-1953F412C126}" type="datetimeFigureOut">
               <a:rPr lang="en-US" dirty="0"/>
-              <a:t>12/1/2015</a:t>
+              <a:t>12/2/2015</a:t>
             </a:fld>
             <a:endParaRPr lang="en-US" dirty="0"/>
           </a:p>
@@ -6090,7 +6090,7 @@
           <a:p>
             <a:fld id="{48A87A34-81AB-432B-8DAE-1953F412C126}" type="datetimeFigureOut">
               <a:rPr lang="en-US" dirty="0"/>
-              <a:t>12/1/2015</a:t>
+              <a:t>12/2/2015</a:t>
             </a:fld>
             <a:endParaRPr lang="en-US" dirty="0"/>
           </a:p>
@@ -6805,7 +6805,7 @@
           <a:p>
             <a:fld id="{48A87A34-81AB-432B-8DAE-1953F412C126}" type="datetimeFigureOut">
               <a:rPr lang="en-US" dirty="0"/>
-              <a:t>12/1/2015</a:t>
+              <a:t>12/2/2015</a:t>
             </a:fld>
             <a:endParaRPr lang="en-US" dirty="0"/>
           </a:p>
@@ -6970,7 +6970,7 @@
           <a:p>
             <a:fld id="{48A87A34-81AB-432B-8DAE-1953F412C126}" type="datetimeFigureOut">
               <a:rPr lang="en-US" dirty="0"/>
-              <a:t>12/1/2015</a:t>
+              <a:t>12/2/2015</a:t>
             </a:fld>
             <a:endParaRPr lang="en-US" dirty="0"/>
           </a:p>
@@ -7145,7 +7145,7 @@
           <a:p>
             <a:fld id="{48A87A34-81AB-432B-8DAE-1953F412C126}" type="datetimeFigureOut">
               <a:rPr lang="en-US" dirty="0"/>
-              <a:t>12/1/2015</a:t>
+              <a:t>12/2/2015</a:t>
             </a:fld>
             <a:endParaRPr lang="en-US" dirty="0"/>
           </a:p>
@@ -7310,7 +7310,7 @@
           <a:p>
             <a:fld id="{48A87A34-81AB-432B-8DAE-1953F412C126}" type="datetimeFigureOut">
               <a:rPr lang="en-US" dirty="0"/>
-              <a:t>12/1/2015</a:t>
+              <a:t>12/2/2015</a:t>
             </a:fld>
             <a:endParaRPr lang="en-US" dirty="0"/>
           </a:p>
@@ -7555,7 +7555,7 @@
           <a:p>
             <a:fld id="{48A87A34-81AB-432B-8DAE-1953F412C126}" type="datetimeFigureOut">
               <a:rPr lang="en-US" dirty="0"/>
-              <a:t>12/1/2015</a:t>
+              <a:t>12/2/2015</a:t>
             </a:fld>
             <a:endParaRPr lang="en-US" dirty="0"/>
           </a:p>
@@ -7782,7 +7782,7 @@
           <a:p>
             <a:fld id="{48A87A34-81AB-432B-8DAE-1953F412C126}" type="datetimeFigureOut">
               <a:rPr lang="en-US" dirty="0"/>
-              <a:t>12/1/2015</a:t>
+              <a:t>12/2/2015</a:t>
             </a:fld>
             <a:endParaRPr lang="en-US" dirty="0"/>
           </a:p>
@@ -8158,7 +8158,7 @@
           <a:p>
             <a:fld id="{48A87A34-81AB-432B-8DAE-1953F412C126}" type="datetimeFigureOut">
               <a:rPr lang="en-US" dirty="0"/>
-              <a:t>12/1/2015</a:t>
+              <a:t>12/2/2015</a:t>
             </a:fld>
             <a:endParaRPr lang="en-US" dirty="0"/>
           </a:p>
@@ -8271,7 +8271,7 @@
           <a:p>
             <a:fld id="{48A87A34-81AB-432B-8DAE-1953F412C126}" type="datetimeFigureOut">
               <a:rPr lang="en-US" dirty="0"/>
-              <a:t>12/1/2015</a:t>
+              <a:t>12/2/2015</a:t>
             </a:fld>
             <a:endParaRPr lang="en-US" dirty="0"/>
           </a:p>
@@ -8361,7 +8361,7 @@
           <a:p>
             <a:fld id="{48A87A34-81AB-432B-8DAE-1953F412C126}" type="datetimeFigureOut">
               <a:rPr lang="en-US" dirty="0"/>
-              <a:t>12/1/2015</a:t>
+              <a:t>12/2/2015</a:t>
             </a:fld>
             <a:endParaRPr lang="en-US" dirty="0"/>
           </a:p>
@@ -8605,7 +8605,7 @@
           <a:p>
             <a:fld id="{48A87A34-81AB-432B-8DAE-1953F412C126}" type="datetimeFigureOut">
               <a:rPr lang="en-US" dirty="0"/>
-              <a:t>12/1/2015</a:t>
+              <a:t>12/2/2015</a:t>
             </a:fld>
             <a:endParaRPr lang="en-US" dirty="0"/>
           </a:p>
@@ -8880,7 +8880,7 @@
           <a:p>
             <a:fld id="{48A87A34-81AB-432B-8DAE-1953F412C126}" type="datetimeFigureOut">
               <a:rPr lang="en-US" dirty="0"/>
-              <a:t>12/1/2015</a:t>
+              <a:t>12/2/2015</a:t>
             </a:fld>
             <a:endParaRPr lang="en-US" dirty="0"/>
           </a:p>
@@ -11960,7 +11960,7 @@
             <a:fld id="{48A87A34-81AB-432B-8DAE-1953F412C126}" type="datetimeFigureOut">
               <a:rPr lang="en-US" dirty="0"/>
               <a:pPr/>
-              <a:t>12/1/2015</a:t>
+              <a:t>12/2/2015</a:t>
             </a:fld>
             <a:endParaRPr lang="en-US" dirty="0"/>
           </a:p>
@@ -12498,6 +12498,13 @@
   <p:clrMapOvr>
     <a:masterClrMapping/>
   </p:clrMapOvr>
+  <p:timing>
+    <p:tnLst>
+      <p:par>
+        <p:cTn id="1" dur="indefinite" restart="never" nodeType="tmRoot"/>
+      </p:par>
+    </p:tnLst>
+  </p:timing>
 </p:sld>
 </file>
 
@@ -12551,9 +12558,16 @@
             <p:ph idx="1"/>
           </p:nvPr>
         </p:nvSpPr>
-        <p:spPr/>
+        <p:spPr>
+          <a:xfrm>
+            <a:off x="1141412" y="2249487"/>
+            <a:ext cx="8401173" cy="3541714"/>
+          </a:xfrm>
+        </p:spPr>
         <p:txBody>
-          <a:bodyPr/>
+          <a:bodyPr>
+            <a:normAutofit lnSpcReduction="10000"/>
+          </a:bodyPr>
           <a:lstStyle/>
           <a:p>
             <a:pPr>
@@ -12628,6 +12642,36 @@
           </a:p>
         </p:txBody>
       </p:sp>
+      <p:pic>
+        <p:nvPicPr>
+          <p:cNvPr id="4" name="Imagem 3"/>
+          <p:cNvPicPr>
+            <a:picLocks noChangeAspect="1"/>
+          </p:cNvPicPr>
+          <p:nvPr/>
+        </p:nvPicPr>
+        <p:blipFill>
+          <a:blip r:embed="rId2">
+            <a:extLst>
+              <a:ext uri="{28A0092B-C50C-407E-A947-70E740481C1C}">
+                <a14:useLocalDpi xmlns:a14="http://schemas.microsoft.com/office/drawing/2010/main" val="0"/>
+              </a:ext>
+            </a:extLst>
+          </a:blip>
+          <a:stretch>
+            <a:fillRect/>
+          </a:stretch>
+        </p:blipFill>
+        <p:spPr>
+          <a:xfrm>
+            <a:off x="9836394" y="522773"/>
+            <a:ext cx="1722560" cy="3545269"/>
+          </a:xfrm>
+          <a:prstGeom prst="rect">
+            <a:avLst/>
+          </a:prstGeom>
+        </p:spPr>
+      </p:pic>
     </p:spTree>
     <p:extLst>
       <p:ext uri="{BB962C8B-B14F-4D97-AF65-F5344CB8AC3E}">
@@ -12638,6 +12682,13 @@
   <p:clrMapOvr>
     <a:masterClrMapping/>
   </p:clrMapOvr>
+  <p:timing>
+    <p:tnLst>
+      <p:par>
+        <p:cTn id="1" dur="indefinite" restart="never" nodeType="tmRoot"/>
+      </p:par>
+    </p:tnLst>
+  </p:timing>
 </p:sld>
 </file>
 
@@ -12674,8 +12725,8 @@
           <a:lstStyle/>
           <a:p>
             <a:r>
-              <a:rPr lang="pt-BR" dirty="0" err="1" smtClean="0"/>
-              <a:t>REFAcTORING</a:t>
+              <a:rPr lang="pt-BR" dirty="0" smtClean="0"/>
+              <a:t>TÉCNICAS DE REFATORAÇÃO</a:t>
             </a:r>
             <a:endParaRPr lang="pt-BR" dirty="0"/>
           </a:p>
@@ -12730,7 +12781,7 @@
             </a:r>
             <a:r>
               <a:rPr lang="pt-BR" dirty="0" smtClean="0"/>
-              <a:t>Extrair Classe</a:t>
+              <a:t>Mover Atributo</a:t>
             </a:r>
           </a:p>
           <a:p>
@@ -12744,7 +12795,7 @@
             </a:r>
             <a:r>
               <a:rPr lang="pt-BR" dirty="0" smtClean="0"/>
-              <a:t>Encapsular Atributo</a:t>
+              <a:t>Extrair Classe</a:t>
             </a:r>
           </a:p>
           <a:p>
@@ -12758,9 +12809,22 @@
             </a:r>
             <a:r>
               <a:rPr lang="pt-BR" dirty="0" smtClean="0"/>
+              <a:t>Encapsular Atributo</a:t>
+            </a:r>
+          </a:p>
+          <a:p>
+            <a:pPr>
+              <a:buFont typeface="Wingdings" panose="05000000000000000000" pitchFamily="2" charset="2"/>
+              <a:buChar char="Ø"/>
+            </a:pPr>
+            <a:r>
+              <a:rPr lang="pt-BR" dirty="0"/>
+              <a:t> </a:t>
+            </a:r>
+            <a:r>
+              <a:rPr lang="pt-BR" dirty="0" smtClean="0"/>
               <a:t>Renomear Método</a:t>
             </a:r>
-            <a:endParaRPr lang="pt-BR" dirty="0"/>
           </a:p>
         </p:txBody>
       </p:sp>
@@ -12774,6 +12838,13 @@
   <p:clrMapOvr>
     <a:masterClrMapping/>
   </p:clrMapOvr>
+  <p:timing>
+    <p:tnLst>
+      <p:par>
+        <p:cTn id="1" dur="indefinite" restart="never" nodeType="tmRoot"/>
+      </p:par>
+    </p:tnLst>
+  </p:timing>
 </p:sld>
 </file>
 
@@ -12884,6 +12955,13 @@
   <p:clrMapOvr>
     <a:masterClrMapping/>
   </p:clrMapOvr>
+  <p:timing>
+    <p:tnLst>
+      <p:par>
+        <p:cTn id="1" dur="indefinite" restart="never" nodeType="tmRoot"/>
+      </p:par>
+    </p:tnLst>
+  </p:timing>
 </p:sld>
 </file>
 
@@ -13013,10 +13091,13 @@
               <a:buChar char="Ø"/>
             </a:pPr>
             <a:r>
+              <a:rPr lang="pt-BR" dirty="0" smtClean="0"/>
+              <a:t> https</a:t>
+            </a:r>
+            <a:r>
               <a:rPr lang="pt-BR" dirty="0"/>
-              <a:t>https://sourcemaking.com/refactoring</a:t>
-            </a:r>
-            <a:endParaRPr lang="pt-BR" dirty="0"/>
+              <a:t>://sourcemaking.com/refactoring</a:t>
+            </a:r>
           </a:p>
         </p:txBody>
       </p:sp>
@@ -13030,6 +13111,13 @@
   <p:clrMapOvr>
     <a:masterClrMapping/>
   </p:clrMapOvr>
+  <p:timing>
+    <p:tnLst>
+      <p:par>
+        <p:cTn id="1" dur="indefinite" restart="never" nodeType="tmRoot"/>
+      </p:par>
+    </p:tnLst>
+  </p:timing>
 </p:sld>
 </file>
 
@@ -13143,6 +13231,13 @@
   <p:clrMapOvr>
     <a:masterClrMapping/>
   </p:clrMapOvr>
+  <p:timing>
+    <p:tnLst>
+      <p:par>
+        <p:cTn id="1" dur="indefinite" restart="never" nodeType="tmRoot"/>
+      </p:par>
+    </p:tnLst>
+  </p:timing>
 </p:sld>
 </file>
 
@@ -13242,6 +13337,13 @@
   <p:clrMapOvr>
     <a:masterClrMapping/>
   </p:clrMapOvr>
+  <p:timing>
+    <p:tnLst>
+      <p:par>
+        <p:cTn id="1" dur="indefinite" restart="never" nodeType="tmRoot"/>
+      </p:par>
+    </p:tnLst>
+  </p:timing>
 </p:sld>
 </file>
 
@@ -13323,6 +13425,13 @@
   <p:clrMapOvr>
     <a:masterClrMapping/>
   </p:clrMapOvr>
+  <p:timing>
+    <p:tnLst>
+      <p:par>
+        <p:cTn id="1" dur="indefinite" restart="never" nodeType="tmRoot"/>
+      </p:par>
+    </p:tnLst>
+  </p:timing>
 </p:sld>
 </file>
 
@@ -13391,13 +13500,8 @@
             </a:r>
             <a:r>
               <a:rPr lang="pt-BR" dirty="0" smtClean="0"/>
-              <a:t>utilizar:</a:t>
-            </a:r>
-            <a:r>
-              <a:rPr lang="pt-BR" dirty="0" smtClean="0"/>
-              <a:t> </a:t>
-            </a:r>
-            <a:endParaRPr lang="pt-BR" dirty="0" smtClean="0"/>
+              <a:t>utilizar: </a:t>
+            </a:r>
           </a:p>
           <a:p>
             <a:pPr lvl="1">
@@ -13410,11 +13514,7 @@
             </a:r>
             <a:r>
               <a:rPr lang="pt-BR" dirty="0" smtClean="0"/>
-              <a:t>Melhorar o código </a:t>
-            </a:r>
-            <a:r>
-              <a:rPr lang="pt-BR" dirty="0" smtClean="0"/>
-              <a:t>existente</a:t>
+              <a:t>Melhorar o código existente</a:t>
             </a:r>
           </a:p>
           <a:p>
@@ -13444,6 +13544,13 @@
   <p:clrMapOvr>
     <a:masterClrMapping/>
   </p:clrMapOvr>
+  <p:timing>
+    <p:tnLst>
+      <p:par>
+        <p:cTn id="1" dur="indefinite" restart="never" nodeType="tmRoot"/>
+      </p:par>
+    </p:tnLst>
+  </p:timing>
 </p:sld>
 </file>
 
@@ -13556,6 +13663,13 @@
   <p:clrMapOvr>
     <a:masterClrMapping/>
   </p:clrMapOvr>
+  <p:timing>
+    <p:tnLst>
+      <p:par>
+        <p:cTn id="1" dur="indefinite" restart="never" nodeType="tmRoot"/>
+      </p:par>
+    </p:tnLst>
+  </p:timing>
 </p:sld>
 </file>
 
@@ -13642,11 +13756,7 @@
             </a:r>
             <a:r>
               <a:rPr lang="pt-BR" dirty="0" smtClean="0"/>
-              <a:t>ão as estruturas no código que sugerem uma possível </a:t>
-            </a:r>
-            <a:r>
-              <a:rPr lang="pt-BR" dirty="0" smtClean="0"/>
-              <a:t>refatoração:</a:t>
+              <a:t>ão as estruturas no código que sugerem uma possível refatoração:</a:t>
             </a:r>
           </a:p>
           <a:p>
@@ -13711,6 +13821,13 @@
   <p:clrMapOvr>
     <a:masterClrMapping/>
   </p:clrMapOvr>
+  <p:timing>
+    <p:tnLst>
+      <p:par>
+        <p:cTn id="1" dur="indefinite" restart="never" nodeType="tmRoot"/>
+      </p:par>
+    </p:tnLst>
+  </p:timing>
 </p:sld>
 </file>
 
@@ -13764,10 +13881,15 @@
             <p:ph idx="1"/>
           </p:nvPr>
         </p:nvSpPr>
-        <p:spPr/>
+        <p:spPr>
+          <a:xfrm>
+            <a:off x="1141412" y="2249487"/>
+            <a:ext cx="8522619" cy="3541714"/>
+          </a:xfrm>
+        </p:spPr>
         <p:txBody>
           <a:bodyPr>
-            <a:normAutofit lnSpcReduction="10000"/>
+            <a:normAutofit fontScale="92500" lnSpcReduction="20000"/>
           </a:bodyPr>
           <a:lstStyle/>
           <a:p>
@@ -13832,6 +13954,36 @@
           </a:p>
         </p:txBody>
       </p:sp>
+      <p:pic>
+        <p:nvPicPr>
+          <p:cNvPr id="4" name="Imagem 3"/>
+          <p:cNvPicPr>
+            <a:picLocks noChangeAspect="1"/>
+          </p:cNvPicPr>
+          <p:nvPr/>
+        </p:nvPicPr>
+        <p:blipFill>
+          <a:blip r:embed="rId2">
+            <a:extLst>
+              <a:ext uri="{28A0092B-C50C-407E-A947-70E740481C1C}">
+                <a14:useLocalDpi xmlns:a14="http://schemas.microsoft.com/office/drawing/2010/main" val="0"/>
+              </a:ext>
+            </a:extLst>
+          </a:blip>
+          <a:stretch>
+            <a:fillRect/>
+          </a:stretch>
+        </p:blipFill>
+        <p:spPr>
+          <a:xfrm>
+            <a:off x="9664031" y="269799"/>
+            <a:ext cx="2099530" cy="3915340"/>
+          </a:xfrm>
+          <a:prstGeom prst="rect">
+            <a:avLst/>
+          </a:prstGeom>
+        </p:spPr>
+      </p:pic>
     </p:spTree>
     <p:extLst>
       <p:ext uri="{BB962C8B-B14F-4D97-AF65-F5344CB8AC3E}">
@@ -13842,6 +13994,13 @@
   <p:clrMapOvr>
     <a:masterClrMapping/>
   </p:clrMapOvr>
+  <p:timing>
+    <p:tnLst>
+      <p:par>
+        <p:cTn id="1" dur="indefinite" restart="never" nodeType="tmRoot"/>
+      </p:par>
+    </p:tnLst>
+  </p:timing>
 </p:sld>
 </file>
 
@@ -13895,7 +14054,12 @@
             <p:ph idx="1"/>
           </p:nvPr>
         </p:nvSpPr>
-        <p:spPr/>
+        <p:spPr>
+          <a:xfrm>
+            <a:off x="1141413" y="2249487"/>
+            <a:ext cx="8459788" cy="3541714"/>
+          </a:xfrm>
+        </p:spPr>
         <p:txBody>
           <a:bodyPr/>
           <a:lstStyle/>
@@ -13951,6 +14115,36 @@
           </a:p>
         </p:txBody>
       </p:sp>
+      <p:pic>
+        <p:nvPicPr>
+          <p:cNvPr id="4" name="Imagem 3"/>
+          <p:cNvPicPr>
+            <a:picLocks noChangeAspect="1"/>
+          </p:cNvPicPr>
+          <p:nvPr/>
+        </p:nvPicPr>
+        <p:blipFill>
+          <a:blip r:embed="rId2">
+            <a:extLst>
+              <a:ext uri="{28A0092B-C50C-407E-A947-70E740481C1C}">
+                <a14:useLocalDpi xmlns:a14="http://schemas.microsoft.com/office/drawing/2010/main" val="0"/>
+              </a:ext>
+            </a:extLst>
+          </a:blip>
+          <a:stretch>
+            <a:fillRect/>
+          </a:stretch>
+        </p:blipFill>
+        <p:spPr>
+          <a:xfrm>
+            <a:off x="9945564" y="484309"/>
+            <a:ext cx="1472711" cy="4114928"/>
+          </a:xfrm>
+          <a:prstGeom prst="rect">
+            <a:avLst/>
+          </a:prstGeom>
+        </p:spPr>
+      </p:pic>
     </p:spTree>
     <p:extLst>
       <p:ext uri="{BB962C8B-B14F-4D97-AF65-F5344CB8AC3E}">
@@ -13961,6 +14155,13 @@
   <p:clrMapOvr>
     <a:masterClrMapping/>
   </p:clrMapOvr>
+  <p:timing>
+    <p:tnLst>
+      <p:par>
+        <p:cTn id="1" dur="indefinite" restart="never" nodeType="tmRoot"/>
+      </p:par>
+    </p:tnLst>
+  </p:timing>
 </p:sld>
 </file>
 
@@ -14014,7 +14215,12 @@
             <p:ph idx="1"/>
           </p:nvPr>
         </p:nvSpPr>
-        <p:spPr/>
+        <p:spPr>
+          <a:xfrm>
+            <a:off x="1141413" y="2249487"/>
+            <a:ext cx="8283942" cy="3541714"/>
+          </a:xfrm>
+        </p:spPr>
         <p:txBody>
           <a:bodyPr/>
           <a:lstStyle/>
@@ -14060,6 +14266,36 @@
           </a:p>
         </p:txBody>
       </p:sp>
+      <p:pic>
+        <p:nvPicPr>
+          <p:cNvPr id="4" name="Imagem 3"/>
+          <p:cNvPicPr>
+            <a:picLocks noChangeAspect="1"/>
+          </p:cNvPicPr>
+          <p:nvPr/>
+        </p:nvPicPr>
+        <p:blipFill>
+          <a:blip r:embed="rId2">
+            <a:extLst>
+              <a:ext uri="{28A0092B-C50C-407E-A947-70E740481C1C}">
+                <a14:useLocalDpi xmlns:a14="http://schemas.microsoft.com/office/drawing/2010/main" val="0"/>
+              </a:ext>
+            </a:extLst>
+          </a:blip>
+          <a:stretch>
+            <a:fillRect/>
+          </a:stretch>
+        </p:blipFill>
+        <p:spPr>
+          <a:xfrm>
+            <a:off x="9726490" y="342168"/>
+            <a:ext cx="1766314" cy="4265001"/>
+          </a:xfrm>
+          <a:prstGeom prst="rect">
+            <a:avLst/>
+          </a:prstGeom>
+        </p:spPr>
+      </p:pic>
     </p:spTree>
     <p:extLst>
       <p:ext uri="{BB962C8B-B14F-4D97-AF65-F5344CB8AC3E}">
@@ -14070,6 +14306,13 @@
   <p:clrMapOvr>
     <a:masterClrMapping/>
   </p:clrMapOvr>
+  <p:timing>
+    <p:tnLst>
+      <p:par>
+        <p:cTn id="1" dur="indefinite" restart="never" nodeType="tmRoot"/>
+      </p:par>
+    </p:tnLst>
+  </p:timing>
 </p:sld>
 </file>
 
@@ -14123,10 +14366,15 @@
             <p:ph idx="1"/>
           </p:nvPr>
         </p:nvSpPr>
-        <p:spPr/>
+        <p:spPr>
+          <a:xfrm>
+            <a:off x="1141413" y="2249487"/>
+            <a:ext cx="8026034" cy="3541714"/>
+          </a:xfrm>
+        </p:spPr>
         <p:txBody>
           <a:bodyPr>
-            <a:normAutofit lnSpcReduction="10000"/>
+            <a:normAutofit fontScale="92500" lnSpcReduction="20000"/>
           </a:bodyPr>
           <a:lstStyle/>
           <a:p>
@@ -14208,6 +14456,36 @@
           </a:p>
         </p:txBody>
       </p:sp>
+      <p:pic>
+        <p:nvPicPr>
+          <p:cNvPr id="4" name="Imagem 3"/>
+          <p:cNvPicPr>
+            <a:picLocks noChangeAspect="1"/>
+          </p:cNvPicPr>
+          <p:nvPr/>
+        </p:nvPicPr>
+        <p:blipFill>
+          <a:blip r:embed="rId2">
+            <a:extLst>
+              <a:ext uri="{28A0092B-C50C-407E-A947-70E740481C1C}">
+                <a14:useLocalDpi xmlns:a14="http://schemas.microsoft.com/office/drawing/2010/main" val="0"/>
+              </a:ext>
+            </a:extLst>
+          </a:blip>
+          <a:stretch>
+            <a:fillRect/>
+          </a:stretch>
+        </p:blipFill>
+        <p:spPr>
+          <a:xfrm>
+            <a:off x="9492943" y="505923"/>
+            <a:ext cx="2021865" cy="3457956"/>
+          </a:xfrm>
+          <a:prstGeom prst="rect">
+            <a:avLst/>
+          </a:prstGeom>
+        </p:spPr>
+      </p:pic>
     </p:spTree>
     <p:extLst>
       <p:ext uri="{BB962C8B-B14F-4D97-AF65-F5344CB8AC3E}">
@@ -14218,6 +14496,13 @@
   <p:clrMapOvr>
     <a:masterClrMapping/>
   </p:clrMapOvr>
+  <p:timing>
+    <p:tnLst>
+      <p:par>
+        <p:cTn id="1" dur="indefinite" restart="never" nodeType="tmRoot"/>
+      </p:par>
+    </p:tnLst>
+  </p:timing>
 </p:sld>
 </file>
 

--- a/seminario/ENGENHARIA-DE-SOFTWARE-REFATORAÇÃO.pptx
+++ b/seminario/ENGENHARIA-DE-SOFTWARE-REFATORAÇÃO.pptx
@@ -10,16 +10,15 @@
     <p:sldId id="260" r:id="rId4"/>
     <p:sldId id="261" r:id="rId5"/>
     <p:sldId id="262" r:id="rId6"/>
-    <p:sldId id="271" r:id="rId7"/>
-    <p:sldId id="272" r:id="rId8"/>
-    <p:sldId id="273" r:id="rId9"/>
-    <p:sldId id="274" r:id="rId10"/>
-    <p:sldId id="275" r:id="rId11"/>
-    <p:sldId id="269" r:id="rId12"/>
+    <p:sldId id="269" r:id="rId7"/>
+    <p:sldId id="271" r:id="rId8"/>
+    <p:sldId id="272" r:id="rId9"/>
+    <p:sldId id="273" r:id="rId10"/>
+    <p:sldId id="274" r:id="rId11"/>
+    <p:sldId id="275" r:id="rId12"/>
     <p:sldId id="258" r:id="rId13"/>
-    <p:sldId id="268" r:id="rId14"/>
-    <p:sldId id="267" r:id="rId15"/>
-    <p:sldId id="270" r:id="rId16"/>
+    <p:sldId id="267" r:id="rId14"/>
+    <p:sldId id="268" r:id="rId15"/>
   </p:sldIdLst>
   <p:sldSz cx="12192000" cy="6858000"/>
   <p:notesSz cx="6858000" cy="9144000"/>
@@ -120,7 +119,7 @@
   </p:defaultTextStyle>
   <p:extLst>
     <p:ext uri="{EFAFB233-063F-42B5-8137-9DF3F51BA10A}">
-      <p15:sldGuideLst xmlns:p15="http://schemas.microsoft.com/office/powerpoint/2012/main" xmlns=""/>
+      <p15:sldGuideLst xmlns="" xmlns:p15="http://schemas.microsoft.com/office/powerpoint/2012/main"/>
     </p:ext>
   </p:extLst>
 </p:presentation>
@@ -12542,7 +12541,7 @@
           <a:p>
             <a:r>
               <a:rPr lang="pt-BR" dirty="0" smtClean="0"/>
-              <a:t>Couplers</a:t>
+              <a:t>Dispensables</a:t>
             </a:r>
             <a:endParaRPr lang="pt-BR" dirty="0"/>
           </a:p>
@@ -12560,13 +12559,13 @@
         </p:nvSpPr>
         <p:spPr>
           <a:xfrm>
-            <a:off x="1141412" y="2249487"/>
-            <a:ext cx="8401173" cy="3541714"/>
+            <a:off x="1141413" y="2249487"/>
+            <a:ext cx="8026034" cy="3541714"/>
           </a:xfrm>
         </p:spPr>
         <p:txBody>
           <a:bodyPr>
-            <a:normAutofit lnSpcReduction="10000"/>
+            <a:normAutofit fontScale="92500" lnSpcReduction="20000"/>
           </a:bodyPr>
           <a:lstStyle/>
           <a:p>
@@ -12576,7 +12575,7 @@
             </a:pPr>
             <a:r>
               <a:rPr lang="pt-BR" dirty="0" smtClean="0"/>
-              <a:t>Ocorre quando o nível de dependência entre classes é muito alto.</a:t>
+              <a:t>É algo desnecessário ou sem sentido no código. A retirada dos mesmos deixaria o código mais fácil de entender, limpo e eficiente.</a:t>
             </a:r>
           </a:p>
           <a:p>
@@ -12596,7 +12595,7 @@
             </a:pPr>
             <a:r>
               <a:rPr lang="pt-BR" dirty="0" smtClean="0"/>
-              <a:t>Feature Envy</a:t>
+              <a:t>Comentários</a:t>
             </a:r>
           </a:p>
           <a:p>
@@ -12606,7 +12605,7 @@
             </a:pPr>
             <a:r>
               <a:rPr lang="pt-BR" dirty="0" smtClean="0"/>
-              <a:t>Intimidade inapropriada</a:t>
+              <a:t>Código duplicado</a:t>
             </a:r>
           </a:p>
           <a:p>
@@ -12616,7 +12615,7 @@
             </a:pPr>
             <a:r>
               <a:rPr lang="pt-BR" dirty="0" smtClean="0"/>
-              <a:t>Corrente de mensagens</a:t>
+              <a:t>Classe preguiçosa</a:t>
             </a:r>
           </a:p>
           <a:p>
@@ -12626,7 +12625,7 @@
             </a:pPr>
             <a:r>
               <a:rPr lang="pt-BR" dirty="0" smtClean="0"/>
-              <a:t>Middle Man</a:t>
+              <a:t>Código morto</a:t>
             </a:r>
           </a:p>
           <a:p>
@@ -12636,8 +12635,14 @@
             </a:pPr>
             <a:r>
               <a:rPr lang="pt-BR" dirty="0" smtClean="0"/>
-              <a:t>Biblioteca de classes incompleta</a:t>
-            </a:r>
+              <a:t>Classe de dados</a:t>
+            </a:r>
+          </a:p>
+          <a:p>
+            <a:pPr lvl="1">
+              <a:buFont typeface="Wingdings" pitchFamily="2" charset="2"/>
+              <a:buChar char="Ø"/>
+            </a:pPr>
             <a:endParaRPr lang="pt-BR" dirty="0"/>
           </a:p>
         </p:txBody>
@@ -12664,8 +12669,8 @@
         </p:blipFill>
         <p:spPr>
           <a:xfrm>
-            <a:off x="9836394" y="522773"/>
-            <a:ext cx="1722560" cy="3545269"/>
+            <a:off x="9492943" y="505923"/>
+            <a:ext cx="2021865" cy="3457956"/>
           </a:xfrm>
           <a:prstGeom prst="rect">
             <a:avLst/>
@@ -12675,7 +12680,7 @@
     </p:spTree>
     <p:extLst>
       <p:ext uri="{BB962C8B-B14F-4D97-AF65-F5344CB8AC3E}">
-        <p14:creationId xmlns:p14="http://schemas.microsoft.com/office/powerpoint/2010/main" val="271296034"/>
+        <p14:creationId xmlns:p14="http://schemas.microsoft.com/office/powerpoint/2010/main" val="2299375437"/>
       </p:ext>
     </p:extLst>
   </p:cSld>
@@ -12726,7 +12731,7 @@
           <a:p>
             <a:r>
               <a:rPr lang="pt-BR" dirty="0" smtClean="0"/>
-              <a:t>TÉCNICAS DE REFATORAÇÃO</a:t>
+              <a:t>Couplers</a:t>
             </a:r>
             <a:endParaRPr lang="pt-BR" dirty="0"/>
           </a:p>
@@ -12742,96 +12747,113 @@
             <p:ph idx="1"/>
           </p:nvPr>
         </p:nvSpPr>
-        <p:spPr/>
+        <p:spPr>
+          <a:xfrm>
+            <a:off x="1141412" y="2249487"/>
+            <a:ext cx="8401173" cy="3541714"/>
+          </a:xfrm>
+        </p:spPr>
         <p:txBody>
-          <a:bodyPr/>
+          <a:bodyPr>
+            <a:normAutofit/>
+          </a:bodyPr>
           <a:lstStyle/>
           <a:p>
             <a:pPr>
-              <a:buFont typeface="Wingdings" panose="05000000000000000000" pitchFamily="2" charset="2"/>
+              <a:buFont typeface="Wingdings" pitchFamily="2" charset="2"/>
               <a:buChar char="Ø"/>
             </a:pPr>
             <a:r>
               <a:rPr lang="pt-BR" dirty="0" smtClean="0"/>
-              <a:t> Extrair Método</a:t>
+              <a:t>Ocorre quando o nível de dependência entre classes é muito alto.</a:t>
             </a:r>
           </a:p>
           <a:p>
             <a:pPr>
-              <a:buFont typeface="Wingdings" panose="05000000000000000000" pitchFamily="2" charset="2"/>
+              <a:buFont typeface="Wingdings" pitchFamily="2" charset="2"/>
               <a:buChar char="Ø"/>
             </a:pPr>
             <a:r>
-              <a:rPr lang="pt-BR" dirty="0"/>
-              <a:t> </a:t>
-            </a:r>
-            <a:r>
               <a:rPr lang="pt-BR" dirty="0" smtClean="0"/>
-              <a:t>Mover Método</a:t>
-            </a:r>
-          </a:p>
-          <a:p>
-            <a:pPr>
-              <a:buFont typeface="Wingdings" panose="05000000000000000000" pitchFamily="2" charset="2"/>
+              <a:t>Divididos em:</a:t>
+            </a:r>
+          </a:p>
+          <a:p>
+            <a:pPr lvl="1">
+              <a:buFont typeface="Wingdings" pitchFamily="2" charset="2"/>
               <a:buChar char="Ø"/>
             </a:pPr>
             <a:r>
-              <a:rPr lang="pt-BR" dirty="0"/>
-              <a:t> </a:t>
-            </a:r>
-            <a:r>
               <a:rPr lang="pt-BR" dirty="0" smtClean="0"/>
-              <a:t>Mover Atributo</a:t>
-            </a:r>
-          </a:p>
-          <a:p>
-            <a:pPr>
-              <a:buFont typeface="Wingdings" panose="05000000000000000000" pitchFamily="2" charset="2"/>
+              <a:t>Feature Envy</a:t>
+            </a:r>
+          </a:p>
+          <a:p>
+            <a:pPr lvl="1">
+              <a:buFont typeface="Wingdings" pitchFamily="2" charset="2"/>
               <a:buChar char="Ø"/>
             </a:pPr>
             <a:r>
-              <a:rPr lang="pt-BR" dirty="0"/>
-              <a:t> </a:t>
-            </a:r>
-            <a:r>
               <a:rPr lang="pt-BR" dirty="0" smtClean="0"/>
-              <a:t>Extrair Classe</a:t>
-            </a:r>
-          </a:p>
-          <a:p>
-            <a:pPr>
-              <a:buFont typeface="Wingdings" panose="05000000000000000000" pitchFamily="2" charset="2"/>
+              <a:t>Intimidade inapropriada</a:t>
+            </a:r>
+          </a:p>
+          <a:p>
+            <a:pPr lvl="1">
+              <a:buFont typeface="Wingdings" pitchFamily="2" charset="2"/>
               <a:buChar char="Ø"/>
             </a:pPr>
             <a:r>
-              <a:rPr lang="pt-BR" dirty="0"/>
-              <a:t> </a:t>
-            </a:r>
-            <a:r>
               <a:rPr lang="pt-BR" dirty="0" smtClean="0"/>
-              <a:t>Encapsular Atributo</a:t>
-            </a:r>
-          </a:p>
-          <a:p>
-            <a:pPr>
-              <a:buFont typeface="Wingdings" panose="05000000000000000000" pitchFamily="2" charset="2"/>
-              <a:buChar char="Ø"/>
+              <a:t>Middle </a:t>
+            </a:r>
+            <a:r>
+              <a:rPr lang="pt-BR" dirty="0" smtClean="0"/>
+              <a:t>Man</a:t>
+            </a:r>
+          </a:p>
+          <a:p>
+            <a:pPr marL="457200" lvl="1" indent="0">
+              <a:buNone/>
             </a:pPr>
-            <a:r>
-              <a:rPr lang="pt-BR" dirty="0"/>
-              <a:t> </a:t>
-            </a:r>
-            <a:r>
-              <a:rPr lang="pt-BR" dirty="0" smtClean="0"/>
-              <a:t>Renomear Método</a:t>
-            </a:r>
+            <a:endParaRPr lang="pt-BR" dirty="0"/>
           </a:p>
         </p:txBody>
       </p:sp>
+      <p:pic>
+        <p:nvPicPr>
+          <p:cNvPr id="4" name="Imagem 3"/>
+          <p:cNvPicPr>
+            <a:picLocks noChangeAspect="1"/>
+          </p:cNvPicPr>
+          <p:nvPr/>
+        </p:nvPicPr>
+        <p:blipFill>
+          <a:blip r:embed="rId2">
+            <a:extLst>
+              <a:ext uri="{28A0092B-C50C-407E-A947-70E740481C1C}">
+                <a14:useLocalDpi xmlns:a14="http://schemas.microsoft.com/office/drawing/2010/main" val="0"/>
+              </a:ext>
+            </a:extLst>
+          </a:blip>
+          <a:stretch>
+            <a:fillRect/>
+          </a:stretch>
+        </p:blipFill>
+        <p:spPr>
+          <a:xfrm>
+            <a:off x="9836394" y="522773"/>
+            <a:ext cx="1722560" cy="3545269"/>
+          </a:xfrm>
+          <a:prstGeom prst="rect">
+            <a:avLst/>
+          </a:prstGeom>
+        </p:spPr>
+      </p:pic>
     </p:spTree>
     <p:extLst>
       <p:ext uri="{BB962C8B-B14F-4D97-AF65-F5344CB8AC3E}">
-        <p14:creationId xmlns:p14="http://schemas.microsoft.com/office/powerpoint/2010/main" val="2281825686"/>
+        <p14:creationId xmlns:p14="http://schemas.microsoft.com/office/powerpoint/2010/main" val="271296034"/>
       </p:ext>
     </p:extLst>
   </p:cSld>
@@ -12999,7 +13021,7 @@
           <a:p>
             <a:r>
               <a:rPr lang="pt-BR" dirty="0" smtClean="0"/>
-              <a:t>bibliografia</a:t>
+              <a:t>conclusão</a:t>
             </a:r>
             <a:endParaRPr lang="pt-BR" dirty="0"/>
           </a:p>
@@ -13026,15 +13048,15 @@
             </a:pPr>
             <a:r>
               <a:rPr lang="pt-BR" dirty="0" smtClean="0"/>
-              <a:t> </a:t>
-            </a:r>
-            <a:r>
-              <a:rPr lang="en-US" dirty="0"/>
-              <a:t>Martin Fowler. Refactoring: improving the design of existing code. Addison-Wesley. 2000</a:t>
-            </a:r>
-            <a:r>
-              <a:rPr lang="en-US" dirty="0" smtClean="0"/>
-              <a:t>.</a:t>
+              <a:t> Refatoração </a:t>
+            </a:r>
+            <a:r>
+              <a:rPr lang="pt-BR" dirty="0"/>
+              <a:t>é uma técnica para tornar software mais simples, mais fáceis de serem </a:t>
+            </a:r>
+            <a:r>
+              <a:rPr lang="pt-BR" dirty="0" smtClean="0"/>
+              <a:t>entendidos.</a:t>
             </a:r>
           </a:p>
           <a:p>
@@ -13043,60 +13065,24 @@
               <a:buChar char="Ø"/>
             </a:pPr>
             <a:r>
-              <a:rPr lang="en-US" dirty="0"/>
-              <a:t> BECK, K. Extreme Programming </a:t>
-            </a:r>
-            <a:r>
-              <a:rPr lang="en-US" dirty="0" smtClean="0"/>
-              <a:t>Explained</a:t>
-            </a:r>
-            <a:r>
-              <a:rPr lang="en-US" dirty="0"/>
-              <a:t>: Embrace Change. Boston, USA</a:t>
-            </a:r>
-            <a:r>
-              <a:rPr lang="en-US" dirty="0" smtClean="0"/>
-              <a:t>: </a:t>
-            </a:r>
-            <a:r>
-              <a:rPr lang="pt-BR" dirty="0" err="1"/>
-              <a:t>Addison</a:t>
-            </a:r>
-            <a:r>
               <a:rPr lang="pt-BR" dirty="0"/>
-              <a:t>-Wesley, 1999</a:t>
+              <a:t> Consiste de modificações simples, que não alteram a funcionalidade do código, mas </a:t>
             </a:r>
             <a:r>
               <a:rPr lang="pt-BR" dirty="0" smtClean="0"/>
-              <a:t>.</a:t>
-            </a:r>
-          </a:p>
-          <a:p>
-            <a:pPr>
-              <a:buFont typeface="Wingdings" panose="05000000000000000000" pitchFamily="2" charset="2"/>
-              <a:buChar char="Ø"/>
-            </a:pPr>
+              <a:t>que, se </a:t>
+            </a:r>
             <a:r>
               <a:rPr lang="pt-BR" dirty="0"/>
-              <a:t> http://</a:t>
+              <a:t>realizadas </a:t>
             </a:r>
             <a:r>
               <a:rPr lang="pt-BR" dirty="0" smtClean="0"/>
-              <a:t>marciojrtorres.blogspot.com.br/2011_07_01_archive.html</a:t>
-            </a:r>
-          </a:p>
-          <a:p>
-            <a:pPr>
-              <a:buFont typeface="Wingdings" panose="05000000000000000000" pitchFamily="2" charset="2"/>
-              <a:buChar char="Ø"/>
-            </a:pPr>
-            <a:r>
-              <a:rPr lang="pt-BR" dirty="0" smtClean="0"/>
-              <a:t> https</a:t>
+              <a:t>repetidamente, </a:t>
             </a:r>
             <a:r>
               <a:rPr lang="pt-BR" dirty="0"/>
-              <a:t>://sourcemaking.com/refactoring</a:t>
+              <a:t>melhoram muito o software.</a:t>
             </a:r>
           </a:p>
         </p:txBody>
@@ -13104,7 +13090,7 @@
     </p:spTree>
     <p:extLst>
       <p:ext uri="{BB962C8B-B14F-4D97-AF65-F5344CB8AC3E}">
-        <p14:creationId xmlns:p14="http://schemas.microsoft.com/office/powerpoint/2010/main" val="2286867131"/>
+        <p14:creationId xmlns:p14="http://schemas.microsoft.com/office/powerpoint/2010/main" val="639534632"/>
       </p:ext>
     </p:extLst>
   </p:cSld>
@@ -13155,7 +13141,7 @@
           <a:p>
             <a:r>
               <a:rPr lang="pt-BR" dirty="0" smtClean="0"/>
-              <a:t>conclusão</a:t>
+              <a:t>bibliografia</a:t>
             </a:r>
             <a:endParaRPr lang="pt-BR" dirty="0"/>
           </a:p>
@@ -13182,15 +13168,15 @@
             </a:pPr>
             <a:r>
               <a:rPr lang="pt-BR" dirty="0" smtClean="0"/>
-              <a:t> Refatoração </a:t>
-            </a:r>
-            <a:r>
-              <a:rPr lang="pt-BR" dirty="0"/>
-              <a:t>é uma técnica para tornar software mais simples, mais fáceis de serem </a:t>
-            </a:r>
-            <a:r>
-              <a:rPr lang="pt-BR" dirty="0" smtClean="0"/>
-              <a:t>entendidos.</a:t>
+              <a:t> </a:t>
+            </a:r>
+            <a:r>
+              <a:rPr lang="en-US" dirty="0"/>
+              <a:t>Martin Fowler. Refactoring: improving the design of existing code. Addison-Wesley. 2000</a:t>
+            </a:r>
+            <a:r>
+              <a:rPr lang="en-US" dirty="0" smtClean="0"/>
+              <a:t>.</a:t>
             </a:r>
           </a:p>
           <a:p>
@@ -13199,24 +13185,60 @@
               <a:buChar char="Ø"/>
             </a:pPr>
             <a:r>
+              <a:rPr lang="en-US" dirty="0"/>
+              <a:t> BECK, K. Extreme Programming </a:t>
+            </a:r>
+            <a:r>
+              <a:rPr lang="en-US" dirty="0" smtClean="0"/>
+              <a:t>Explained</a:t>
+            </a:r>
+            <a:r>
+              <a:rPr lang="en-US" dirty="0"/>
+              <a:t>: Embrace Change. Boston, USA</a:t>
+            </a:r>
+            <a:r>
+              <a:rPr lang="en-US" dirty="0" smtClean="0"/>
+              <a:t>: </a:t>
+            </a:r>
+            <a:r>
+              <a:rPr lang="pt-BR" dirty="0" err="1"/>
+              <a:t>Addison</a:t>
+            </a:r>
+            <a:r>
               <a:rPr lang="pt-BR" dirty="0"/>
-              <a:t> Consiste de modificações simples, que não alteram a funcionalidade do código, mas </a:t>
+              <a:t>-Wesley, 1999</a:t>
             </a:r>
             <a:r>
               <a:rPr lang="pt-BR" dirty="0" smtClean="0"/>
-              <a:t>que, se </a:t>
-            </a:r>
+              <a:t>.</a:t>
+            </a:r>
+          </a:p>
+          <a:p>
+            <a:pPr>
+              <a:buFont typeface="Wingdings" panose="05000000000000000000" pitchFamily="2" charset="2"/>
+              <a:buChar char="Ø"/>
+            </a:pPr>
             <a:r>
               <a:rPr lang="pt-BR" dirty="0"/>
-              <a:t>realizadas </a:t>
+              <a:t> http://</a:t>
             </a:r>
             <a:r>
               <a:rPr lang="pt-BR" dirty="0" smtClean="0"/>
-              <a:t>repetidamente, </a:t>
+              <a:t>marciojrtorres.blogspot.com.br/2011_07_01_archive.html</a:t>
+            </a:r>
+          </a:p>
+          <a:p>
+            <a:pPr>
+              <a:buFont typeface="Wingdings" panose="05000000000000000000" pitchFamily="2" charset="2"/>
+              <a:buChar char="Ø"/>
+            </a:pPr>
+            <a:r>
+              <a:rPr lang="pt-BR" dirty="0" smtClean="0"/>
+              <a:t> https</a:t>
             </a:r>
             <a:r>
               <a:rPr lang="pt-BR" dirty="0"/>
-              <a:t>melhoram muito o software.</a:t>
+              <a:t>://sourcemaking.com/refactoring</a:t>
             </a:r>
           </a:p>
         </p:txBody>
@@ -13224,113 +13246,7 @@
     </p:spTree>
     <p:extLst>
       <p:ext uri="{BB962C8B-B14F-4D97-AF65-F5344CB8AC3E}">
-        <p14:creationId xmlns:p14="http://schemas.microsoft.com/office/powerpoint/2010/main" val="639534632"/>
-      </p:ext>
-    </p:extLst>
-  </p:cSld>
-  <p:clrMapOvr>
-    <a:masterClrMapping/>
-  </p:clrMapOvr>
-  <p:timing>
-    <p:tnLst>
-      <p:par>
-        <p:cTn id="1" dur="indefinite" restart="never" nodeType="tmRoot"/>
-      </p:par>
-    </p:tnLst>
-  </p:timing>
-</p:sld>
-</file>
-
-<file path=ppt/slides/slide15.xml><?xml version="1.0" encoding="utf-8"?>
-<p:sld xmlns:a="http://schemas.openxmlformats.org/drawingml/2006/main" xmlns:r="http://schemas.openxmlformats.org/officeDocument/2006/relationships" xmlns:p="http://schemas.openxmlformats.org/presentationml/2006/main">
-  <p:cSld>
-    <p:spTree>
-      <p:nvGrpSpPr>
-        <p:cNvPr id="1" name=""/>
-        <p:cNvGrpSpPr/>
-        <p:nvPr/>
-      </p:nvGrpSpPr>
-      <p:grpSpPr>
-        <a:xfrm>
-          <a:off x="0" y="0"/>
-          <a:ext cx="0" cy="0"/>
-          <a:chOff x="0" y="0"/>
-          <a:chExt cx="0" cy="0"/>
-        </a:xfrm>
-      </p:grpSpPr>
-      <p:sp>
-        <p:nvSpPr>
-          <p:cNvPr id="2" name="Título 1"/>
-          <p:cNvSpPr>
-            <a:spLocks noGrp="1"/>
-          </p:cNvSpPr>
-          <p:nvPr>
-            <p:ph type="title"/>
-          </p:nvPr>
-        </p:nvSpPr>
-        <p:spPr>
-          <a:xfrm>
-            <a:off x="1751529" y="0"/>
-            <a:ext cx="7740203" cy="991673"/>
-          </a:xfrm>
-        </p:spPr>
-        <p:txBody>
-          <a:bodyPr/>
-          <a:lstStyle/>
-          <a:p>
-            <a:r>
-              <a:rPr lang="pt-BR" dirty="0" err="1" smtClean="0"/>
-              <a:t>Bad</a:t>
-            </a:r>
-            <a:r>
-              <a:rPr lang="pt-BR" dirty="0" smtClean="0"/>
-              <a:t> </a:t>
-            </a:r>
-            <a:r>
-              <a:rPr lang="pt-BR" dirty="0" err="1" smtClean="0"/>
-              <a:t>smell</a:t>
-            </a:r>
-            <a:r>
-              <a:rPr lang="pt-BR" dirty="0" smtClean="0"/>
-              <a:t> (MAU CHEIRO)</a:t>
-            </a:r>
-            <a:endParaRPr lang="pt-BR" dirty="0"/>
-          </a:p>
-        </p:txBody>
-      </p:sp>
-      <p:pic>
-        <p:nvPicPr>
-          <p:cNvPr id="4" name="Espaço Reservado para Conteúdo 3"/>
-          <p:cNvPicPr>
-            <a:picLocks noGrp="1" noChangeAspect="1"/>
-          </p:cNvPicPr>
-          <p:nvPr>
-            <p:ph idx="1"/>
-          </p:nvPr>
-        </p:nvPicPr>
-        <p:blipFill>
-          <a:blip r:embed="rId2">
-            <a:extLst>
-              <a:ext uri="{28A0092B-C50C-407E-A947-70E740481C1C}">
-                <a14:useLocalDpi xmlns:a14="http://schemas.microsoft.com/office/drawing/2010/main" val="0"/>
-              </a:ext>
-            </a:extLst>
-          </a:blip>
-          <a:stretch>
-            <a:fillRect/>
-          </a:stretch>
-        </p:blipFill>
-        <p:spPr>
-          <a:xfrm>
-            <a:off x="1178123" y="991673"/>
-            <a:ext cx="8903932" cy="5651654"/>
-          </a:xfrm>
-        </p:spPr>
-      </p:pic>
-    </p:spTree>
-    <p:extLst>
-      <p:ext uri="{BB962C8B-B14F-4D97-AF65-F5344CB8AC3E}">
-        <p14:creationId xmlns:p14="http://schemas.microsoft.com/office/powerpoint/2010/main" val="236773788"/>
+        <p14:creationId xmlns:p14="http://schemas.microsoft.com/office/powerpoint/2010/main" val="2286867131"/>
       </p:ext>
     </p:extLst>
   </p:cSld>
@@ -13865,6 +13781,162 @@
           <a:p>
             <a:r>
               <a:rPr lang="pt-BR" dirty="0" smtClean="0"/>
+              <a:t>TÉCNICAS DE REFATORAÇÃO</a:t>
+            </a:r>
+            <a:endParaRPr lang="pt-BR" dirty="0"/>
+          </a:p>
+        </p:txBody>
+      </p:sp>
+      <p:sp>
+        <p:nvSpPr>
+          <p:cNvPr id="3" name="Espaço Reservado para Conteúdo 2"/>
+          <p:cNvSpPr>
+            <a:spLocks noGrp="1"/>
+          </p:cNvSpPr>
+          <p:nvPr>
+            <p:ph idx="1"/>
+          </p:nvPr>
+        </p:nvSpPr>
+        <p:spPr/>
+        <p:txBody>
+          <a:bodyPr/>
+          <a:lstStyle/>
+          <a:p>
+            <a:pPr>
+              <a:buFont typeface="Wingdings" panose="05000000000000000000" pitchFamily="2" charset="2"/>
+              <a:buChar char="Ø"/>
+            </a:pPr>
+            <a:r>
+              <a:rPr lang="pt-BR" dirty="0" smtClean="0"/>
+              <a:t> Extrair Método</a:t>
+            </a:r>
+          </a:p>
+          <a:p>
+            <a:pPr>
+              <a:buFont typeface="Wingdings" panose="05000000000000000000" pitchFamily="2" charset="2"/>
+              <a:buChar char="Ø"/>
+            </a:pPr>
+            <a:r>
+              <a:rPr lang="pt-BR" dirty="0"/>
+              <a:t> </a:t>
+            </a:r>
+            <a:r>
+              <a:rPr lang="pt-BR" dirty="0" smtClean="0"/>
+              <a:t>Mover Método</a:t>
+            </a:r>
+          </a:p>
+          <a:p>
+            <a:pPr>
+              <a:buFont typeface="Wingdings" panose="05000000000000000000" pitchFamily="2" charset="2"/>
+              <a:buChar char="Ø"/>
+            </a:pPr>
+            <a:r>
+              <a:rPr lang="pt-BR" dirty="0"/>
+              <a:t> </a:t>
+            </a:r>
+            <a:r>
+              <a:rPr lang="pt-BR" dirty="0" smtClean="0"/>
+              <a:t>Mover Atributo</a:t>
+            </a:r>
+          </a:p>
+          <a:p>
+            <a:pPr>
+              <a:buFont typeface="Wingdings" panose="05000000000000000000" pitchFamily="2" charset="2"/>
+              <a:buChar char="Ø"/>
+            </a:pPr>
+            <a:r>
+              <a:rPr lang="pt-BR" dirty="0"/>
+              <a:t> </a:t>
+            </a:r>
+            <a:r>
+              <a:rPr lang="pt-BR" dirty="0" smtClean="0"/>
+              <a:t>Extrair Classe</a:t>
+            </a:r>
+          </a:p>
+          <a:p>
+            <a:pPr>
+              <a:buFont typeface="Wingdings" panose="05000000000000000000" pitchFamily="2" charset="2"/>
+              <a:buChar char="Ø"/>
+            </a:pPr>
+            <a:r>
+              <a:rPr lang="pt-BR" dirty="0"/>
+              <a:t> </a:t>
+            </a:r>
+            <a:r>
+              <a:rPr lang="pt-BR" dirty="0" smtClean="0"/>
+              <a:t>Encapsular Atributo</a:t>
+            </a:r>
+          </a:p>
+          <a:p>
+            <a:pPr>
+              <a:buFont typeface="Wingdings" panose="05000000000000000000" pitchFamily="2" charset="2"/>
+              <a:buChar char="Ø"/>
+            </a:pPr>
+            <a:r>
+              <a:rPr lang="pt-BR" dirty="0"/>
+              <a:t> </a:t>
+            </a:r>
+            <a:r>
+              <a:rPr lang="pt-BR" dirty="0" smtClean="0"/>
+              <a:t>Renomear Método</a:t>
+            </a:r>
+          </a:p>
+        </p:txBody>
+      </p:sp>
+    </p:spTree>
+    <p:extLst>
+      <p:ext uri="{BB962C8B-B14F-4D97-AF65-F5344CB8AC3E}">
+        <p14:creationId xmlns:p14="http://schemas.microsoft.com/office/powerpoint/2010/main" val="2281825686"/>
+      </p:ext>
+    </p:extLst>
+  </p:cSld>
+  <p:clrMapOvr>
+    <a:masterClrMapping/>
+  </p:clrMapOvr>
+  <p:timing>
+    <p:tnLst>
+      <p:par>
+        <p:cTn id="1" dur="indefinite" restart="never" nodeType="tmRoot"/>
+      </p:par>
+    </p:tnLst>
+  </p:timing>
+</p:sld>
+</file>
+
+<file path=ppt/slides/slide7.xml><?xml version="1.0" encoding="utf-8"?>
+<p:sld xmlns:a="http://schemas.openxmlformats.org/drawingml/2006/main" xmlns:r="http://schemas.openxmlformats.org/officeDocument/2006/relationships" xmlns:p="http://schemas.openxmlformats.org/presentationml/2006/main">
+  <p:cSld>
+    <p:spTree>
+      <p:nvGrpSpPr>
+        <p:cNvPr id="1" name=""/>
+        <p:cNvGrpSpPr/>
+        <p:nvPr/>
+      </p:nvGrpSpPr>
+      <p:grpSpPr>
+        <a:xfrm>
+          <a:off x="0" y="0"/>
+          <a:ext cx="0" cy="0"/>
+          <a:chOff x="0" y="0"/>
+          <a:chExt cx="0" cy="0"/>
+        </a:xfrm>
+      </p:grpSpPr>
+      <p:sp>
+        <p:nvSpPr>
+          <p:cNvPr id="2" name="Título 1"/>
+          <p:cNvSpPr>
+            <a:spLocks noGrp="1"/>
+          </p:cNvSpPr>
+          <p:nvPr>
+            <p:ph type="title"/>
+          </p:nvPr>
+        </p:nvSpPr>
+        <p:spPr/>
+        <p:txBody>
+          <a:bodyPr/>
+          <a:lstStyle/>
+          <a:p>
+            <a:r>
+              <a:rPr lang="pt-BR" dirty="0" smtClean="0"/>
               <a:t>BLOATERS</a:t>
             </a:r>
             <a:endParaRPr lang="pt-BR" dirty="0"/>
@@ -14004,7 +14076,7 @@
 </p:sld>
 </file>
 
-<file path=ppt/slides/slide7.xml><?xml version="1.0" encoding="utf-8"?>
+<file path=ppt/slides/slide8.xml><?xml version="1.0" encoding="utf-8"?>
 <p:sld xmlns:a="http://schemas.openxmlformats.org/drawingml/2006/main" xmlns:r="http://schemas.openxmlformats.org/officeDocument/2006/relationships" xmlns:p="http://schemas.openxmlformats.org/presentationml/2006/main">
   <p:cSld>
     <p:spTree>
@@ -14100,8 +14172,13 @@
             </a:pPr>
             <a:r>
               <a:rPr lang="pt-BR" dirty="0" smtClean="0"/>
-              <a:t>Campo temporário</a:t>
-            </a:r>
+              <a:t>Atributo </a:t>
+            </a:r>
+            <a:r>
+              <a:rPr lang="pt-BR" dirty="0" smtClean="0"/>
+              <a:t>temporário</a:t>
+            </a:r>
+            <a:endParaRPr lang="pt-BR" dirty="0" smtClean="0"/>
           </a:p>
           <a:p>
             <a:pPr lvl="1">
@@ -14165,7 +14242,7 @@
 </p:sld>
 </file>
 
-<file path=ppt/slides/slide8.xml><?xml version="1.0" encoding="utf-8"?>
+<file path=ppt/slides/slide9.xml><?xml version="1.0" encoding="utf-8"?>
 <p:sld xmlns:a="http://schemas.openxmlformats.org/drawingml/2006/main" xmlns:r="http://schemas.openxmlformats.org/officeDocument/2006/relationships" xmlns:p="http://schemas.openxmlformats.org/presentationml/2006/main">
   <p:cSld>
     <p:spTree>
@@ -14300,196 +14377,6 @@
     <p:extLst>
       <p:ext uri="{BB962C8B-B14F-4D97-AF65-F5344CB8AC3E}">
         <p14:creationId xmlns:p14="http://schemas.microsoft.com/office/powerpoint/2010/main" val="308503333"/>
-      </p:ext>
-    </p:extLst>
-  </p:cSld>
-  <p:clrMapOvr>
-    <a:masterClrMapping/>
-  </p:clrMapOvr>
-  <p:timing>
-    <p:tnLst>
-      <p:par>
-        <p:cTn id="1" dur="indefinite" restart="never" nodeType="tmRoot"/>
-      </p:par>
-    </p:tnLst>
-  </p:timing>
-</p:sld>
-</file>
-
-<file path=ppt/slides/slide9.xml><?xml version="1.0" encoding="utf-8"?>
-<p:sld xmlns:a="http://schemas.openxmlformats.org/drawingml/2006/main" xmlns:r="http://schemas.openxmlformats.org/officeDocument/2006/relationships" xmlns:p="http://schemas.openxmlformats.org/presentationml/2006/main">
-  <p:cSld>
-    <p:spTree>
-      <p:nvGrpSpPr>
-        <p:cNvPr id="1" name=""/>
-        <p:cNvGrpSpPr/>
-        <p:nvPr/>
-      </p:nvGrpSpPr>
-      <p:grpSpPr>
-        <a:xfrm>
-          <a:off x="0" y="0"/>
-          <a:ext cx="0" cy="0"/>
-          <a:chOff x="0" y="0"/>
-          <a:chExt cx="0" cy="0"/>
-        </a:xfrm>
-      </p:grpSpPr>
-      <p:sp>
-        <p:nvSpPr>
-          <p:cNvPr id="2" name="Título 1"/>
-          <p:cNvSpPr>
-            <a:spLocks noGrp="1"/>
-          </p:cNvSpPr>
-          <p:nvPr>
-            <p:ph type="title"/>
-          </p:nvPr>
-        </p:nvSpPr>
-        <p:spPr/>
-        <p:txBody>
-          <a:bodyPr/>
-          <a:lstStyle/>
-          <a:p>
-            <a:r>
-              <a:rPr lang="pt-BR" dirty="0" smtClean="0"/>
-              <a:t>Dispensables</a:t>
-            </a:r>
-            <a:endParaRPr lang="pt-BR" dirty="0"/>
-          </a:p>
-        </p:txBody>
-      </p:sp>
-      <p:sp>
-        <p:nvSpPr>
-          <p:cNvPr id="3" name="Espaço Reservado para Conteúdo 2"/>
-          <p:cNvSpPr>
-            <a:spLocks noGrp="1"/>
-          </p:cNvSpPr>
-          <p:nvPr>
-            <p:ph idx="1"/>
-          </p:nvPr>
-        </p:nvSpPr>
-        <p:spPr>
-          <a:xfrm>
-            <a:off x="1141413" y="2249487"/>
-            <a:ext cx="8026034" cy="3541714"/>
-          </a:xfrm>
-        </p:spPr>
-        <p:txBody>
-          <a:bodyPr>
-            <a:normAutofit fontScale="92500" lnSpcReduction="20000"/>
-          </a:bodyPr>
-          <a:lstStyle/>
-          <a:p>
-            <a:pPr>
-              <a:buFont typeface="Wingdings" pitchFamily="2" charset="2"/>
-              <a:buChar char="Ø"/>
-            </a:pPr>
-            <a:r>
-              <a:rPr lang="pt-BR" dirty="0" smtClean="0"/>
-              <a:t>É algo desnecessário ou sem sentido no código. A retirada dos mesmos deixaria o código mais fácil de entender, limpo e eficiente.</a:t>
-            </a:r>
-          </a:p>
-          <a:p>
-            <a:pPr>
-              <a:buFont typeface="Wingdings" pitchFamily="2" charset="2"/>
-              <a:buChar char="Ø"/>
-            </a:pPr>
-            <a:r>
-              <a:rPr lang="pt-BR" dirty="0" smtClean="0"/>
-              <a:t>Divididos em:</a:t>
-            </a:r>
-          </a:p>
-          <a:p>
-            <a:pPr lvl="1">
-              <a:buFont typeface="Wingdings" pitchFamily="2" charset="2"/>
-              <a:buChar char="Ø"/>
-            </a:pPr>
-            <a:r>
-              <a:rPr lang="pt-BR" dirty="0" smtClean="0"/>
-              <a:t>Comentários</a:t>
-            </a:r>
-          </a:p>
-          <a:p>
-            <a:pPr lvl="1">
-              <a:buFont typeface="Wingdings" pitchFamily="2" charset="2"/>
-              <a:buChar char="Ø"/>
-            </a:pPr>
-            <a:r>
-              <a:rPr lang="pt-BR" dirty="0" smtClean="0"/>
-              <a:t>Código duplicado</a:t>
-            </a:r>
-          </a:p>
-          <a:p>
-            <a:pPr lvl="1">
-              <a:buFont typeface="Wingdings" pitchFamily="2" charset="2"/>
-              <a:buChar char="Ø"/>
-            </a:pPr>
-            <a:r>
-              <a:rPr lang="pt-BR" dirty="0" smtClean="0"/>
-              <a:t>Classe preguiçosa</a:t>
-            </a:r>
-          </a:p>
-          <a:p>
-            <a:pPr lvl="1">
-              <a:buFont typeface="Wingdings" pitchFamily="2" charset="2"/>
-              <a:buChar char="Ø"/>
-            </a:pPr>
-            <a:r>
-              <a:rPr lang="pt-BR" dirty="0" smtClean="0"/>
-              <a:t>Código morto</a:t>
-            </a:r>
-          </a:p>
-          <a:p>
-            <a:pPr lvl="1">
-              <a:buFont typeface="Wingdings" pitchFamily="2" charset="2"/>
-              <a:buChar char="Ø"/>
-            </a:pPr>
-            <a:r>
-              <a:rPr lang="pt-BR" dirty="0" smtClean="0"/>
-              <a:t>Classe de dados</a:t>
-            </a:r>
-          </a:p>
-          <a:p>
-            <a:pPr lvl="1">
-              <a:buFont typeface="Wingdings" pitchFamily="2" charset="2"/>
-              <a:buChar char="Ø"/>
-            </a:pPr>
-            <a:endParaRPr lang="pt-BR" dirty="0"/>
-          </a:p>
-        </p:txBody>
-      </p:sp>
-      <p:pic>
-        <p:nvPicPr>
-          <p:cNvPr id="4" name="Imagem 3"/>
-          <p:cNvPicPr>
-            <a:picLocks noChangeAspect="1"/>
-          </p:cNvPicPr>
-          <p:nvPr/>
-        </p:nvPicPr>
-        <p:blipFill>
-          <a:blip r:embed="rId2">
-            <a:extLst>
-              <a:ext uri="{28A0092B-C50C-407E-A947-70E740481C1C}">
-                <a14:useLocalDpi xmlns:a14="http://schemas.microsoft.com/office/drawing/2010/main" val="0"/>
-              </a:ext>
-            </a:extLst>
-          </a:blip>
-          <a:stretch>
-            <a:fillRect/>
-          </a:stretch>
-        </p:blipFill>
-        <p:spPr>
-          <a:xfrm>
-            <a:off x="9492943" y="505923"/>
-            <a:ext cx="2021865" cy="3457956"/>
-          </a:xfrm>
-          <a:prstGeom prst="rect">
-            <a:avLst/>
-          </a:prstGeom>
-        </p:spPr>
-      </p:pic>
-    </p:spTree>
-    <p:extLst>
-      <p:ext uri="{BB962C8B-B14F-4D97-AF65-F5344CB8AC3E}">
-        <p14:creationId xmlns:p14="http://schemas.microsoft.com/office/powerpoint/2010/main" val="2299375437"/>
       </p:ext>
     </p:extLst>
   </p:cSld>
@@ -14751,7 +14638,7 @@
   <a:extraClrSchemeLst/>
   <a:extLst>
     <a:ext uri="{05A4C25C-085E-4340-85A3-A5531E510DB2}">
-      <thm15:themeFamily xmlns:thm15="http://schemas.microsoft.com/office/thememl/2012/main" xmlns="" name="Circuit" id="{0AC2F7E7-15F5-431C-B2A2-456FE929F56C}" vid="{97ECCC31-8429-4523-BE8D-8F09B7A4D46D}"/>
+      <thm15:themeFamily xmlns="" xmlns:thm15="http://schemas.microsoft.com/office/thememl/2012/main" name="Circuit" id="{0AC2F7E7-15F5-431C-B2A2-456FE929F56C}" vid="{97ECCC31-8429-4523-BE8D-8F09B7A4D46D}"/>
     </a:ext>
   </a:extLst>
 </a:theme>
